--- a/06_Final_Project.pptx
+++ b/06_Final_Project.pptx
@@ -7,8 +7,8 @@
   <p:sldIdLst>
     <p:sldId id="256" r:id="rId2"/>
     <p:sldId id="257" r:id="rId3"/>
-    <p:sldId id="259" r:id="rId4"/>
-    <p:sldId id="258" r:id="rId5"/>
+    <p:sldId id="258" r:id="rId4"/>
+    <p:sldId id="259" r:id="rId5"/>
     <p:sldId id="260" r:id="rId6"/>
     <p:sldId id="261" r:id="rId7"/>
     <p:sldId id="263" r:id="rId8"/>
@@ -120,6 +120,10 @@
 </p:presentation>
 </file>
 
+<file path=ppt/revisionInfo.xml><?xml version="1.0" encoding="utf-8"?>
+<p1510:revInfo xmlns:a="http://schemas.openxmlformats.org/drawingml/2006/main" xmlns:r="http://schemas.openxmlformats.org/officeDocument/2006/relationships" xmlns:p1510="http://schemas.microsoft.com/office/powerpoint/2015/10/main"/>
+</file>
+
 <file path=ppt/slideLayouts/slideLayout1.xml><?xml version="1.0" encoding="utf-8"?>
 <p:sldLayout xmlns:a="http://schemas.openxmlformats.org/drawingml/2006/main" xmlns:r="http://schemas.openxmlformats.org/officeDocument/2006/relationships" xmlns:p="http://schemas.openxmlformats.org/presentationml/2006/main" showMasterSp="0" type="title" preserve="1">
   <p:cSld name="標題投影片">
@@ -612,7 +616,7 @@
           </a:lstStyle>
           <a:p>
             <a:r>
-              <a:rPr lang="zh-TW" altLang="en-US" smtClean="0"/>
+              <a:rPr lang="zh-TW" altLang="en-US"/>
               <a:t>按一下以編輯母片標題樣式</a:t>
             </a:r>
             <a:endParaRPr lang="en-US" dirty="0"/>
@@ -729,7 +733,7 @@
           </a:lstStyle>
           <a:p>
             <a:r>
-              <a:rPr lang="zh-TW" altLang="en-US" smtClean="0"/>
+              <a:rPr lang="zh-TW" altLang="en-US"/>
               <a:t>按一下以編輯母片副標題樣式</a:t>
             </a:r>
             <a:endParaRPr lang="en-US" dirty="0"/>
@@ -1713,7 +1717,7 @@
           </a:lstStyle>
           <a:p>
             <a:r>
-              <a:rPr lang="zh-TW" altLang="en-US" smtClean="0"/>
+              <a:rPr lang="zh-TW" altLang="en-US"/>
               <a:t>按一下以編輯母片標題樣式</a:t>
             </a:r>
             <a:endParaRPr lang="en-US" dirty="0"/>
@@ -1792,7 +1796,7 @@
           </a:lstStyle>
           <a:p>
             <a:r>
-              <a:rPr lang="zh-TW" altLang="en-US" smtClean="0"/>
+              <a:rPr lang="zh-TW" altLang="en-US"/>
               <a:t>按一下圖示以新增圖片</a:t>
             </a:r>
             <a:endParaRPr lang="en-US" dirty="0"/>
@@ -1864,7 +1868,7 @@
           <a:p>
             <a:pPr lvl="0"/>
             <a:r>
-              <a:rPr lang="zh-TW" altLang="en-US" smtClean="0"/>
+              <a:rPr lang="zh-TW" altLang="en-US"/>
               <a:t>編輯母片文字樣式</a:t>
             </a:r>
           </a:p>
@@ -2807,7 +2811,7 @@
           </a:lstStyle>
           <a:p>
             <a:r>
-              <a:rPr lang="zh-TW" altLang="en-US" smtClean="0"/>
+              <a:rPr lang="zh-TW" altLang="en-US"/>
               <a:t>按一下以編輯母片標題樣式</a:t>
             </a:r>
             <a:endParaRPr lang="en-US" dirty="0"/>
@@ -2875,7 +2879,7 @@
           <a:p>
             <a:pPr lvl="0"/>
             <a:r>
-              <a:rPr lang="zh-TW" altLang="en-US" smtClean="0"/>
+              <a:rPr lang="zh-TW" altLang="en-US"/>
               <a:t>編輯母片文字樣式</a:t>
             </a:r>
           </a:p>
@@ -3904,7 +3908,7 @@
           </a:lstStyle>
           <a:p>
             <a:r>
-              <a:rPr lang="zh-TW" altLang="en-US" smtClean="0"/>
+              <a:rPr lang="zh-TW" altLang="en-US"/>
               <a:t>按一下以編輯母片標題樣式</a:t>
             </a:r>
             <a:endParaRPr lang="en-US" dirty="0"/>
@@ -3978,7 +3982,7 @@
           <a:p>
             <a:pPr lvl="0"/>
             <a:r>
-              <a:rPr lang="zh-TW" altLang="en-US" smtClean="0"/>
+              <a:rPr lang="zh-TW" altLang="en-US"/>
               <a:t>編輯母片文字樣式</a:t>
             </a:r>
           </a:p>
@@ -4045,7 +4049,7 @@
           <a:p>
             <a:pPr lvl="0"/>
             <a:r>
-              <a:rPr lang="zh-TW" altLang="en-US" smtClean="0"/>
+              <a:rPr lang="zh-TW" altLang="en-US"/>
               <a:t>編輯母片文字樣式</a:t>
             </a:r>
           </a:p>
@@ -4988,7 +4992,7 @@
           </a:lstStyle>
           <a:p>
             <a:r>
-              <a:rPr lang="zh-TW" altLang="en-US" smtClean="0"/>
+              <a:rPr lang="zh-TW" altLang="en-US"/>
               <a:t>按一下以編輯母片標題樣式</a:t>
             </a:r>
             <a:endParaRPr lang="en-US" dirty="0"/>
@@ -5106,7 +5110,7 @@
           <a:p>
             <a:pPr lvl="0"/>
             <a:r>
-              <a:rPr lang="zh-TW" altLang="en-US" smtClean="0"/>
+              <a:rPr lang="zh-TW" altLang="en-US"/>
               <a:t>編輯母片文字樣式</a:t>
             </a:r>
           </a:p>
@@ -5263,7 +5267,7 @@
           </a:lstStyle>
           <a:p>
             <a:r>
-              <a:rPr lang="zh-TW" altLang="en-US" smtClean="0"/>
+              <a:rPr lang="zh-TW" altLang="en-US"/>
               <a:t>按一下以編輯母片標題樣式</a:t>
             </a:r>
             <a:endParaRPr lang="en-US" dirty="0"/>
@@ -5335,7 +5339,7 @@
           <a:p>
             <a:pPr lvl="0"/>
             <a:r>
-              <a:rPr lang="zh-TW" altLang="en-US" smtClean="0"/>
+              <a:rPr lang="zh-TW" altLang="en-US"/>
               <a:t>編輯母片文字樣式</a:t>
             </a:r>
           </a:p>
@@ -5402,7 +5406,7 @@
           <a:p>
             <a:pPr lvl="0"/>
             <a:r>
-              <a:rPr lang="zh-TW" altLang="en-US" smtClean="0"/>
+              <a:rPr lang="zh-TW" altLang="en-US"/>
               <a:t>編輯母片文字樣式</a:t>
             </a:r>
           </a:p>
@@ -5473,7 +5477,7 @@
           <a:p>
             <a:pPr lvl="0"/>
             <a:r>
-              <a:rPr lang="zh-TW" altLang="en-US" smtClean="0"/>
+              <a:rPr lang="zh-TW" altLang="en-US"/>
               <a:t>編輯母片文字樣式</a:t>
             </a:r>
           </a:p>
@@ -5540,7 +5544,7 @@
           <a:p>
             <a:pPr lvl="0"/>
             <a:r>
-              <a:rPr lang="zh-TW" altLang="en-US" smtClean="0"/>
+              <a:rPr lang="zh-TW" altLang="en-US"/>
               <a:t>編輯母片文字樣式</a:t>
             </a:r>
           </a:p>
@@ -5611,7 +5615,7 @@
           <a:p>
             <a:pPr lvl="0"/>
             <a:r>
-              <a:rPr lang="zh-TW" altLang="en-US" smtClean="0"/>
+              <a:rPr lang="zh-TW" altLang="en-US"/>
               <a:t>編輯母片文字樣式</a:t>
             </a:r>
           </a:p>
@@ -5678,7 +5682,7 @@
           <a:p>
             <a:pPr lvl="0"/>
             <a:r>
-              <a:rPr lang="zh-TW" altLang="en-US" smtClean="0"/>
+              <a:rPr lang="zh-TW" altLang="en-US"/>
               <a:t>編輯母片文字樣式</a:t>
             </a:r>
           </a:p>
@@ -5873,7 +5877,7 @@
           </a:lstStyle>
           <a:p>
             <a:r>
-              <a:rPr lang="zh-TW" altLang="en-US" smtClean="0"/>
+              <a:rPr lang="zh-TW" altLang="en-US"/>
               <a:t>按一下以編輯母片標題樣式</a:t>
             </a:r>
             <a:endParaRPr lang="en-US" dirty="0"/>
@@ -5945,7 +5949,7 @@
           <a:p>
             <a:pPr lvl="0"/>
             <a:r>
-              <a:rPr lang="zh-TW" altLang="en-US" smtClean="0"/>
+              <a:rPr lang="zh-TW" altLang="en-US"/>
               <a:t>編輯母片文字樣式</a:t>
             </a:r>
           </a:p>
@@ -6023,7 +6027,7 @@
           </a:lstStyle>
           <a:p>
             <a:r>
-              <a:rPr lang="zh-TW" altLang="en-US" smtClean="0"/>
+              <a:rPr lang="zh-TW" altLang="en-US"/>
               <a:t>按一下圖示以新增圖片</a:t>
             </a:r>
             <a:endParaRPr lang="en-US" dirty="0"/>
@@ -6091,7 +6095,7 @@
           <a:p>
             <a:pPr lvl="0"/>
             <a:r>
-              <a:rPr lang="zh-TW" altLang="en-US" smtClean="0"/>
+              <a:rPr lang="zh-TW" altLang="en-US"/>
               <a:t>編輯母片文字樣式</a:t>
             </a:r>
           </a:p>
@@ -6162,7 +6166,7 @@
           <a:p>
             <a:pPr lvl="0"/>
             <a:r>
-              <a:rPr lang="zh-TW" altLang="en-US" smtClean="0"/>
+              <a:rPr lang="zh-TW" altLang="en-US"/>
               <a:t>編輯母片文字樣式</a:t>
             </a:r>
           </a:p>
@@ -6240,7 +6244,7 @@
           </a:lstStyle>
           <a:p>
             <a:r>
-              <a:rPr lang="zh-TW" altLang="en-US" smtClean="0"/>
+              <a:rPr lang="zh-TW" altLang="en-US"/>
               <a:t>按一下圖示以新增圖片</a:t>
             </a:r>
             <a:endParaRPr lang="en-US" dirty="0"/>
@@ -6308,7 +6312,7 @@
           <a:p>
             <a:pPr lvl="0"/>
             <a:r>
-              <a:rPr lang="zh-TW" altLang="en-US" smtClean="0"/>
+              <a:rPr lang="zh-TW" altLang="en-US"/>
               <a:t>編輯母片文字樣式</a:t>
             </a:r>
           </a:p>
@@ -6379,7 +6383,7 @@
           <a:p>
             <a:pPr lvl="0"/>
             <a:r>
-              <a:rPr lang="zh-TW" altLang="en-US" smtClean="0"/>
+              <a:rPr lang="zh-TW" altLang="en-US"/>
               <a:t>編輯母片文字樣式</a:t>
             </a:r>
           </a:p>
@@ -6457,7 +6461,7 @@
           </a:lstStyle>
           <a:p>
             <a:r>
-              <a:rPr lang="zh-TW" altLang="en-US" smtClean="0"/>
+              <a:rPr lang="zh-TW" altLang="en-US"/>
               <a:t>按一下圖示以新增圖片</a:t>
             </a:r>
             <a:endParaRPr lang="en-US" dirty="0"/>
@@ -6525,7 +6529,7 @@
           <a:p>
             <a:pPr lvl="0"/>
             <a:r>
-              <a:rPr lang="zh-TW" altLang="en-US" smtClean="0"/>
+              <a:rPr lang="zh-TW" altLang="en-US"/>
               <a:t>編輯母片文字樣式</a:t>
             </a:r>
           </a:p>
@@ -6721,7 +6725,7 @@
           <a:lstStyle/>
           <a:p>
             <a:r>
-              <a:rPr lang="zh-TW" altLang="en-US" smtClean="0"/>
+              <a:rPr lang="zh-TW" altLang="en-US"/>
               <a:t>按一下以編輯母片標題樣式</a:t>
             </a:r>
             <a:endParaRPr lang="en-US" dirty="0"/>
@@ -6745,35 +6749,35 @@
           <a:p>
             <a:pPr lvl="0"/>
             <a:r>
-              <a:rPr lang="zh-TW" altLang="en-US" smtClean="0"/>
+              <a:rPr lang="zh-TW" altLang="en-US"/>
               <a:t>編輯母片文字樣式</a:t>
             </a:r>
           </a:p>
           <a:p>
             <a:pPr lvl="1"/>
             <a:r>
-              <a:rPr lang="zh-TW" altLang="en-US" smtClean="0"/>
+              <a:rPr lang="zh-TW" altLang="en-US"/>
               <a:t>第二層</a:t>
             </a:r>
           </a:p>
           <a:p>
             <a:pPr lvl="2"/>
             <a:r>
-              <a:rPr lang="zh-TW" altLang="en-US" smtClean="0"/>
+              <a:rPr lang="zh-TW" altLang="en-US"/>
               <a:t>第三層</a:t>
             </a:r>
           </a:p>
           <a:p>
             <a:pPr lvl="3"/>
             <a:r>
-              <a:rPr lang="zh-TW" altLang="en-US" smtClean="0"/>
+              <a:rPr lang="zh-TW" altLang="en-US"/>
               <a:t>第四層</a:t>
             </a:r>
           </a:p>
           <a:p>
             <a:pPr lvl="4"/>
             <a:r>
-              <a:rPr lang="zh-TW" altLang="en-US" smtClean="0"/>
+              <a:rPr lang="zh-TW" altLang="en-US"/>
               <a:t>第五層</a:t>
             </a:r>
             <a:endParaRPr lang="en-US" dirty="0"/>
@@ -7714,7 +7718,7 @@
           <a:lstStyle/>
           <a:p>
             <a:r>
-              <a:rPr lang="zh-TW" altLang="en-US" smtClean="0"/>
+              <a:rPr lang="zh-TW" altLang="en-US"/>
               <a:t>按一下以編輯母片標題樣式</a:t>
             </a:r>
             <a:endParaRPr lang="en-US" dirty="0"/>
@@ -7743,35 +7747,35 @@
           <a:p>
             <a:pPr lvl="0"/>
             <a:r>
-              <a:rPr lang="zh-TW" altLang="en-US" smtClean="0"/>
+              <a:rPr lang="zh-TW" altLang="en-US"/>
               <a:t>編輯母片文字樣式</a:t>
             </a:r>
           </a:p>
           <a:p>
             <a:pPr lvl="1"/>
             <a:r>
-              <a:rPr lang="zh-TW" altLang="en-US" smtClean="0"/>
+              <a:rPr lang="zh-TW" altLang="en-US"/>
               <a:t>第二層</a:t>
             </a:r>
           </a:p>
           <a:p>
             <a:pPr lvl="2"/>
             <a:r>
-              <a:rPr lang="zh-TW" altLang="en-US" smtClean="0"/>
+              <a:rPr lang="zh-TW" altLang="en-US"/>
               <a:t>第三層</a:t>
             </a:r>
           </a:p>
           <a:p>
             <a:pPr lvl="3"/>
             <a:r>
-              <a:rPr lang="zh-TW" altLang="en-US" smtClean="0"/>
+              <a:rPr lang="zh-TW" altLang="en-US"/>
               <a:t>第四層</a:t>
             </a:r>
           </a:p>
           <a:p>
             <a:pPr lvl="4"/>
             <a:r>
-              <a:rPr lang="zh-TW" altLang="en-US" smtClean="0"/>
+              <a:rPr lang="zh-TW" altLang="en-US"/>
               <a:t>第五層</a:t>
             </a:r>
             <a:endParaRPr lang="en-US" dirty="0"/>
@@ -7925,7 +7929,7 @@
           <a:lstStyle/>
           <a:p>
             <a:r>
-              <a:rPr lang="zh-TW" altLang="en-US" smtClean="0"/>
+              <a:rPr lang="zh-TW" altLang="en-US"/>
               <a:t>按一下以編輯母片標題樣式</a:t>
             </a:r>
             <a:endParaRPr lang="en-US" dirty="0"/>
@@ -7949,35 +7953,35 @@
           <a:p>
             <a:pPr lvl="0"/>
             <a:r>
-              <a:rPr lang="zh-TW" altLang="en-US" smtClean="0"/>
+              <a:rPr lang="zh-TW" altLang="en-US"/>
               <a:t>編輯母片文字樣式</a:t>
             </a:r>
           </a:p>
           <a:p>
             <a:pPr lvl="1"/>
             <a:r>
-              <a:rPr lang="zh-TW" altLang="en-US" smtClean="0"/>
+              <a:rPr lang="zh-TW" altLang="en-US"/>
               <a:t>第二層</a:t>
             </a:r>
           </a:p>
           <a:p>
             <a:pPr lvl="2"/>
             <a:r>
-              <a:rPr lang="zh-TW" altLang="en-US" smtClean="0"/>
+              <a:rPr lang="zh-TW" altLang="en-US"/>
               <a:t>第三層</a:t>
             </a:r>
           </a:p>
           <a:p>
             <a:pPr lvl="3"/>
             <a:r>
-              <a:rPr lang="zh-TW" altLang="en-US" smtClean="0"/>
+              <a:rPr lang="zh-TW" altLang="en-US"/>
               <a:t>第四層</a:t>
             </a:r>
           </a:p>
           <a:p>
             <a:pPr lvl="4"/>
             <a:r>
-              <a:rPr lang="zh-TW" altLang="en-US" smtClean="0"/>
+              <a:rPr lang="zh-TW" altLang="en-US"/>
               <a:t>第五層</a:t>
             </a:r>
             <a:endParaRPr lang="en-US" dirty="0"/>
@@ -8922,7 +8926,7 @@
           </a:lstStyle>
           <a:p>
             <a:r>
-              <a:rPr lang="zh-TW" altLang="en-US" smtClean="0"/>
+              <a:rPr lang="zh-TW" altLang="en-US"/>
               <a:t>按一下以編輯母片標題樣式</a:t>
             </a:r>
             <a:endParaRPr lang="en-US" dirty="0"/>
@@ -9040,7 +9044,7 @@
           <a:p>
             <a:pPr lvl="0"/>
             <a:r>
-              <a:rPr lang="zh-TW" altLang="en-US" smtClean="0"/>
+              <a:rPr lang="zh-TW" altLang="en-US"/>
               <a:t>編輯母片文字樣式</a:t>
             </a:r>
           </a:p>
@@ -9193,7 +9197,7 @@
           <a:lstStyle/>
           <a:p>
             <a:r>
-              <a:rPr lang="zh-TW" altLang="en-US" smtClean="0"/>
+              <a:rPr lang="zh-TW" altLang="en-US"/>
               <a:t>按一下以編輯母片標題樣式</a:t>
             </a:r>
             <a:endParaRPr lang="en-US" dirty="0"/>
@@ -9224,35 +9228,35 @@
           <a:p>
             <a:pPr lvl="0"/>
             <a:r>
-              <a:rPr lang="zh-TW" altLang="en-US" smtClean="0"/>
+              <a:rPr lang="zh-TW" altLang="en-US"/>
               <a:t>編輯母片文字樣式</a:t>
             </a:r>
           </a:p>
           <a:p>
             <a:pPr lvl="1"/>
             <a:r>
-              <a:rPr lang="zh-TW" altLang="en-US" smtClean="0"/>
+              <a:rPr lang="zh-TW" altLang="en-US"/>
               <a:t>第二層</a:t>
             </a:r>
           </a:p>
           <a:p>
             <a:pPr lvl="2"/>
             <a:r>
-              <a:rPr lang="zh-TW" altLang="en-US" smtClean="0"/>
+              <a:rPr lang="zh-TW" altLang="en-US"/>
               <a:t>第三層</a:t>
             </a:r>
           </a:p>
           <a:p>
             <a:pPr lvl="3"/>
             <a:r>
-              <a:rPr lang="zh-TW" altLang="en-US" smtClean="0"/>
+              <a:rPr lang="zh-TW" altLang="en-US"/>
               <a:t>第四層</a:t>
             </a:r>
           </a:p>
           <a:p>
             <a:pPr lvl="4"/>
             <a:r>
-              <a:rPr lang="zh-TW" altLang="en-US" smtClean="0"/>
+              <a:rPr lang="zh-TW" altLang="en-US"/>
               <a:t>第五層</a:t>
             </a:r>
             <a:endParaRPr lang="en-US" dirty="0"/>
@@ -9283,35 +9287,35 @@
           <a:p>
             <a:pPr lvl="0"/>
             <a:r>
-              <a:rPr lang="zh-TW" altLang="en-US" smtClean="0"/>
+              <a:rPr lang="zh-TW" altLang="en-US"/>
               <a:t>編輯母片文字樣式</a:t>
             </a:r>
           </a:p>
           <a:p>
             <a:pPr lvl="1"/>
             <a:r>
-              <a:rPr lang="zh-TW" altLang="en-US" smtClean="0"/>
+              <a:rPr lang="zh-TW" altLang="en-US"/>
               <a:t>第二層</a:t>
             </a:r>
           </a:p>
           <a:p>
             <a:pPr lvl="2"/>
             <a:r>
-              <a:rPr lang="zh-TW" altLang="en-US" smtClean="0"/>
+              <a:rPr lang="zh-TW" altLang="en-US"/>
               <a:t>第三層</a:t>
             </a:r>
           </a:p>
           <a:p>
             <a:pPr lvl="3"/>
             <a:r>
-              <a:rPr lang="zh-TW" altLang="en-US" smtClean="0"/>
+              <a:rPr lang="zh-TW" altLang="en-US"/>
               <a:t>第四層</a:t>
             </a:r>
           </a:p>
           <a:p>
             <a:pPr lvl="4"/>
             <a:r>
-              <a:rPr lang="zh-TW" altLang="en-US" smtClean="0"/>
+              <a:rPr lang="zh-TW" altLang="en-US"/>
               <a:t>第五層</a:t>
             </a:r>
             <a:endParaRPr lang="en-US" dirty="0"/>
@@ -9433,7 +9437,7 @@
           </a:lstStyle>
           <a:p>
             <a:r>
-              <a:rPr lang="zh-TW" altLang="en-US" smtClean="0"/>
+              <a:rPr lang="zh-TW" altLang="en-US"/>
               <a:t>按一下以編輯母片標題樣式</a:t>
             </a:r>
             <a:endParaRPr lang="en-US" dirty="0"/>
@@ -9505,7 +9509,7 @@
           <a:p>
             <a:pPr lvl="0"/>
             <a:r>
-              <a:rPr lang="zh-TW" altLang="en-US" smtClean="0"/>
+              <a:rPr lang="zh-TW" altLang="en-US"/>
               <a:t>編輯母片文字樣式</a:t>
             </a:r>
           </a:p>
@@ -9535,35 +9539,35 @@
           <a:p>
             <a:pPr lvl="0"/>
             <a:r>
-              <a:rPr lang="zh-TW" altLang="en-US" smtClean="0"/>
+              <a:rPr lang="zh-TW" altLang="en-US"/>
               <a:t>編輯母片文字樣式</a:t>
             </a:r>
           </a:p>
           <a:p>
             <a:pPr lvl="1"/>
             <a:r>
-              <a:rPr lang="zh-TW" altLang="en-US" smtClean="0"/>
+              <a:rPr lang="zh-TW" altLang="en-US"/>
               <a:t>第二層</a:t>
             </a:r>
           </a:p>
           <a:p>
             <a:pPr lvl="2"/>
             <a:r>
-              <a:rPr lang="zh-TW" altLang="en-US" smtClean="0"/>
+              <a:rPr lang="zh-TW" altLang="en-US"/>
               <a:t>第三層</a:t>
             </a:r>
           </a:p>
           <a:p>
             <a:pPr lvl="3"/>
             <a:r>
-              <a:rPr lang="zh-TW" altLang="en-US" smtClean="0"/>
+              <a:rPr lang="zh-TW" altLang="en-US"/>
               <a:t>第四層</a:t>
             </a:r>
           </a:p>
           <a:p>
             <a:pPr lvl="4"/>
             <a:r>
-              <a:rPr lang="zh-TW" altLang="en-US" smtClean="0"/>
+              <a:rPr lang="zh-TW" altLang="en-US"/>
               <a:t>第五層</a:t>
             </a:r>
             <a:endParaRPr lang="en-US" dirty="0"/>
@@ -9635,7 +9639,7 @@
           <a:p>
             <a:pPr lvl="0"/>
             <a:r>
-              <a:rPr lang="zh-TW" altLang="en-US" smtClean="0"/>
+              <a:rPr lang="zh-TW" altLang="en-US"/>
               <a:t>編輯母片文字樣式</a:t>
             </a:r>
           </a:p>
@@ -9665,35 +9669,35 @@
           <a:p>
             <a:pPr lvl="0"/>
             <a:r>
-              <a:rPr lang="zh-TW" altLang="en-US" smtClean="0"/>
+              <a:rPr lang="zh-TW" altLang="en-US"/>
               <a:t>編輯母片文字樣式</a:t>
             </a:r>
           </a:p>
           <a:p>
             <a:pPr lvl="1"/>
             <a:r>
-              <a:rPr lang="zh-TW" altLang="en-US" smtClean="0"/>
+              <a:rPr lang="zh-TW" altLang="en-US"/>
               <a:t>第二層</a:t>
             </a:r>
           </a:p>
           <a:p>
             <a:pPr lvl="2"/>
             <a:r>
-              <a:rPr lang="zh-TW" altLang="en-US" smtClean="0"/>
+              <a:rPr lang="zh-TW" altLang="en-US"/>
               <a:t>第三層</a:t>
             </a:r>
           </a:p>
           <a:p>
             <a:pPr lvl="3"/>
             <a:r>
-              <a:rPr lang="zh-TW" altLang="en-US" smtClean="0"/>
+              <a:rPr lang="zh-TW" altLang="en-US"/>
               <a:t>第四層</a:t>
             </a:r>
           </a:p>
           <a:p>
             <a:pPr lvl="4"/>
             <a:r>
-              <a:rPr lang="zh-TW" altLang="en-US" smtClean="0"/>
+              <a:rPr lang="zh-TW" altLang="en-US"/>
               <a:t>第五層</a:t>
             </a:r>
             <a:endParaRPr lang="en-US" dirty="0"/>
@@ -9811,7 +9815,7 @@
           <a:lstStyle/>
           <a:p>
             <a:r>
-              <a:rPr lang="zh-TW" altLang="en-US" smtClean="0"/>
+              <a:rPr lang="zh-TW" altLang="en-US"/>
               <a:t>按一下以編輯母片標題樣式</a:t>
             </a:r>
             <a:endParaRPr lang="en-US" dirty="0"/>
@@ -10887,7 +10891,7 @@
           </a:lstStyle>
           <a:p>
             <a:r>
-              <a:rPr lang="zh-TW" altLang="en-US" smtClean="0"/>
+              <a:rPr lang="zh-TW" altLang="en-US"/>
               <a:t>按一下以編輯母片標題樣式</a:t>
             </a:r>
             <a:endParaRPr lang="en-US" dirty="0"/>
@@ -10918,35 +10922,35 @@
           <a:p>
             <a:pPr lvl="0"/>
             <a:r>
-              <a:rPr lang="zh-TW" altLang="en-US" smtClean="0"/>
+              <a:rPr lang="zh-TW" altLang="en-US"/>
               <a:t>編輯母片文字樣式</a:t>
             </a:r>
           </a:p>
           <a:p>
             <a:pPr lvl="1"/>
             <a:r>
-              <a:rPr lang="zh-TW" altLang="en-US" smtClean="0"/>
+              <a:rPr lang="zh-TW" altLang="en-US"/>
               <a:t>第二層</a:t>
             </a:r>
           </a:p>
           <a:p>
             <a:pPr lvl="2"/>
             <a:r>
-              <a:rPr lang="zh-TW" altLang="en-US" smtClean="0"/>
+              <a:rPr lang="zh-TW" altLang="en-US"/>
               <a:t>第三層</a:t>
             </a:r>
           </a:p>
           <a:p>
             <a:pPr lvl="3"/>
             <a:r>
-              <a:rPr lang="zh-TW" altLang="en-US" smtClean="0"/>
+              <a:rPr lang="zh-TW" altLang="en-US"/>
               <a:t>第四層</a:t>
             </a:r>
           </a:p>
           <a:p>
             <a:pPr lvl="4"/>
             <a:r>
-              <a:rPr lang="zh-TW" altLang="en-US" smtClean="0"/>
+              <a:rPr lang="zh-TW" altLang="en-US"/>
               <a:t>第五層</a:t>
             </a:r>
             <a:endParaRPr lang="en-US" dirty="0"/>
@@ -11016,7 +11020,7 @@
           <a:p>
             <a:pPr lvl="0"/>
             <a:r>
-              <a:rPr lang="zh-TW" altLang="en-US" smtClean="0"/>
+              <a:rPr lang="zh-TW" altLang="en-US"/>
               <a:t>編輯母片文字樣式</a:t>
             </a:r>
           </a:p>
@@ -11998,7 +12002,7 @@
           </a:lstStyle>
           <a:p>
             <a:r>
-              <a:rPr lang="zh-TW" altLang="en-US" smtClean="0"/>
+              <a:rPr lang="zh-TW" altLang="en-US"/>
               <a:t>按一下以編輯母片標題樣式</a:t>
             </a:r>
             <a:endParaRPr lang="en-US" dirty="0"/>
@@ -12077,7 +12081,7 @@
           </a:lstStyle>
           <a:p>
             <a:r>
-              <a:rPr lang="zh-TW" altLang="en-US" smtClean="0"/>
+              <a:rPr lang="zh-TW" altLang="en-US"/>
               <a:t>按一下圖示以新增圖片</a:t>
             </a:r>
             <a:endParaRPr lang="en-US" dirty="0"/>
@@ -12149,7 +12153,7 @@
           <a:p>
             <a:pPr lvl="0"/>
             <a:r>
-              <a:rPr lang="zh-TW" altLang="en-US" smtClean="0"/>
+              <a:rPr lang="zh-TW" altLang="en-US"/>
               <a:t>編輯母片文字樣式</a:t>
             </a:r>
           </a:p>
@@ -13098,7 +13102,7 @@
           <a:lstStyle/>
           <a:p>
             <a:r>
-              <a:rPr lang="zh-TW" altLang="en-US" smtClean="0"/>
+              <a:rPr lang="zh-TW" altLang="en-US"/>
               <a:t>按一下以編輯母片標題樣式</a:t>
             </a:r>
             <a:endParaRPr lang="en-US" dirty="0"/>
@@ -13132,35 +13136,35 @@
           <a:p>
             <a:pPr lvl="0"/>
             <a:r>
-              <a:rPr lang="zh-TW" altLang="en-US" smtClean="0"/>
+              <a:rPr lang="zh-TW" altLang="en-US"/>
               <a:t>編輯母片文字樣式</a:t>
             </a:r>
           </a:p>
           <a:p>
             <a:pPr lvl="1"/>
             <a:r>
-              <a:rPr lang="zh-TW" altLang="en-US" smtClean="0"/>
+              <a:rPr lang="zh-TW" altLang="en-US"/>
               <a:t>第二層</a:t>
             </a:r>
           </a:p>
           <a:p>
             <a:pPr lvl="2"/>
             <a:r>
-              <a:rPr lang="zh-TW" altLang="en-US" smtClean="0"/>
+              <a:rPr lang="zh-TW" altLang="en-US"/>
               <a:t>第三層</a:t>
             </a:r>
           </a:p>
           <a:p>
             <a:pPr lvl="3"/>
             <a:r>
-              <a:rPr lang="zh-TW" altLang="en-US" smtClean="0"/>
+              <a:rPr lang="zh-TW" altLang="en-US"/>
               <a:t>第四層</a:t>
             </a:r>
           </a:p>
           <a:p>
             <a:pPr lvl="4"/>
             <a:r>
-              <a:rPr lang="zh-TW" altLang="en-US" smtClean="0"/>
+              <a:rPr lang="zh-TW" altLang="en-US"/>
               <a:t>第五層</a:t>
             </a:r>
             <a:endParaRPr lang="en-US" dirty="0"/>
@@ -13784,7 +13788,7 @@
           <a:p>
             <a:pPr algn="ctr"/>
             <a:r>
-              <a:rPr lang="zh-TW" altLang="en-US" sz="6600" strike="sngStrike" dirty="0" smtClean="0">
+              <a:rPr lang="zh-TW" altLang="en-US" sz="6600" strike="sngStrike" dirty="0">
                 <a:solidFill>
                   <a:srgbClr val="FFC000"/>
                 </a:solidFill>
@@ -13793,18 +13797,8 @@
               </a:rPr>
               <a:t>危機處理</a:t>
             </a:r>
-            <a:r>
-              <a:rPr lang="en-US" altLang="zh-TW" sz="6600" strike="sngStrike" dirty="0" smtClean="0">
-                <a:solidFill>
-                  <a:srgbClr val="FFC000"/>
-                </a:solidFill>
-                <a:latin typeface="微軟正黑體" panose="020B0604030504040204" pitchFamily="34" charset="-120"/>
-                <a:ea typeface="微軟正黑體" panose="020B0604030504040204" pitchFamily="34" charset="-120"/>
-              </a:rPr>
-              <a:t/>
-            </a:r>
             <a:br>
-              <a:rPr lang="en-US" altLang="zh-TW" sz="6600" strike="sngStrike" dirty="0" smtClean="0">
+              <a:rPr lang="en-US" altLang="zh-TW" sz="6600" strike="sngStrike" dirty="0">
                 <a:solidFill>
                   <a:srgbClr val="FFC000"/>
                 </a:solidFill>
@@ -13813,7 +13807,7 @@
               </a:rPr>
             </a:br>
             <a:r>
-              <a:rPr lang="zh-TW" altLang="en-US" sz="6600" dirty="0" smtClean="0">
+              <a:rPr lang="zh-TW" altLang="en-US" sz="6600" dirty="0">
                 <a:solidFill>
                   <a:srgbClr val="FFC000"/>
                 </a:solidFill>
@@ -13822,13 +13816,6 @@
               </a:rPr>
               <a:t>微處理機 期末專題</a:t>
             </a:r>
-            <a:endParaRPr lang="zh-TW" altLang="en-US" sz="6600" dirty="0">
-              <a:solidFill>
-                <a:srgbClr val="FFC000"/>
-              </a:solidFill>
-              <a:latin typeface="微軟正黑體" panose="020B0604030504040204" pitchFamily="34" charset="-120"/>
-              <a:ea typeface="微軟正黑體" panose="020B0604030504040204" pitchFamily="34" charset="-120"/>
-            </a:endParaRPr>
           </a:p>
         </p:txBody>
       </p:sp>
@@ -13855,7 +13842,7 @@
           <a:lstStyle/>
           <a:p>
             <a:r>
-              <a:rPr lang="zh-TW" altLang="en-US" sz="2800" dirty="0" smtClean="0">
+              <a:rPr lang="zh-TW" altLang="en-US" sz="2800" dirty="0">
                 <a:solidFill>
                   <a:schemeClr val="bg1"/>
                 </a:solidFill>
@@ -13864,7 +13851,7 @@
               </a:rPr>
               <a:t>第六組</a:t>
             </a:r>
-            <a:endParaRPr lang="en-US" altLang="zh-TW" sz="2800" dirty="0" smtClean="0">
+            <a:endParaRPr lang="en-US" altLang="zh-TW" sz="2800" dirty="0">
               <a:solidFill>
                 <a:schemeClr val="bg1"/>
               </a:solidFill>
@@ -13874,7 +13861,7 @@
           </a:p>
           <a:p>
             <a:r>
-              <a:rPr lang="en-US" altLang="zh-TW" sz="2800" dirty="0" smtClean="0">
+              <a:rPr lang="en-US" altLang="zh-TW" sz="2800" dirty="0">
                 <a:solidFill>
                   <a:schemeClr val="bg1"/>
                 </a:solidFill>
@@ -13884,7 +13871,7 @@
               <a:t>0416305 </a:t>
             </a:r>
             <a:r>
-              <a:rPr lang="zh-TW" altLang="en-US" sz="2800" dirty="0" smtClean="0">
+              <a:rPr lang="zh-TW" altLang="en-US" sz="2800" dirty="0">
                 <a:solidFill>
                   <a:schemeClr val="bg1"/>
                 </a:solidFill>
@@ -13893,7 +13880,7 @@
               </a:rPr>
               <a:t>王柏堯</a:t>
             </a:r>
-            <a:endParaRPr lang="en-US" altLang="zh-TW" sz="2800" dirty="0" smtClean="0">
+            <a:endParaRPr lang="en-US" altLang="zh-TW" sz="2800" dirty="0">
               <a:solidFill>
                 <a:schemeClr val="bg1"/>
               </a:solidFill>
@@ -13903,7 +13890,7 @@
           </a:p>
           <a:p>
             <a:r>
-              <a:rPr lang="en-US" altLang="zh-TW" sz="2800" dirty="0" smtClean="0">
+              <a:rPr lang="en-US" altLang="zh-TW" sz="2800" dirty="0">
                 <a:solidFill>
                   <a:schemeClr val="bg1"/>
                 </a:solidFill>
@@ -13913,7 +13900,7 @@
               <a:t>0416005</a:t>
             </a:r>
             <a:r>
-              <a:rPr lang="zh-TW" altLang="en-US" sz="2800" dirty="0" smtClean="0">
+              <a:rPr lang="zh-TW" altLang="en-US" sz="2800" dirty="0">
                 <a:solidFill>
                   <a:schemeClr val="bg1"/>
                 </a:solidFill>
@@ -13922,13 +13909,6 @@
               </a:rPr>
               <a:t> 張彧豪</a:t>
             </a:r>
-            <a:endParaRPr lang="zh-TW" altLang="en-US" sz="2800" dirty="0">
-              <a:solidFill>
-                <a:schemeClr val="bg1"/>
-              </a:solidFill>
-              <a:latin typeface="微軟正黑體" panose="020B0604030504040204" pitchFamily="34" charset="-120"/>
-              <a:ea typeface="微軟正黑體" panose="020B0604030504040204" pitchFamily="34" charset="-120"/>
-            </a:endParaRPr>
           </a:p>
         </p:txBody>
       </p:sp>
@@ -13942,13 +13922,6 @@
   <p:clrMapOvr>
     <a:masterClrMapping/>
   </p:clrMapOvr>
-  <p:timing>
-    <p:tnLst>
-      <p:par>
-        <p:cTn id="1" dur="indefinite" restart="never" nodeType="tmRoot"/>
-      </p:par>
-    </p:tnLst>
-  </p:timing>
 </p:sld>
 </file>
 
@@ -13995,7 +13968,7 @@
               <a:buNone/>
             </a:pPr>
             <a:r>
-              <a:rPr lang="zh-TW" altLang="en-US" sz="7200" dirty="0" smtClean="0">
+              <a:rPr lang="zh-TW" altLang="en-US" sz="7200" dirty="0">
                 <a:solidFill>
                   <a:srgbClr val="FF0000"/>
                 </a:solidFill>
@@ -14004,7 +13977,7 @@
               </a:rPr>
               <a:t>你是否曾遇到過以下情況：</a:t>
             </a:r>
-            <a:endParaRPr lang="en-US" altLang="zh-TW" sz="7200" dirty="0" smtClean="0">
+            <a:endParaRPr lang="en-US" altLang="zh-TW" sz="7200" dirty="0">
               <a:solidFill>
                 <a:srgbClr val="FF0000"/>
               </a:solidFill>
@@ -14024,94 +13997,10 @@
   <p:clrMapOvr>
     <a:masterClrMapping/>
   </p:clrMapOvr>
-  <p:timing>
-    <p:tnLst>
-      <p:par>
-        <p:cTn id="1" dur="indefinite" restart="never" nodeType="tmRoot"/>
-      </p:par>
-    </p:tnLst>
-  </p:timing>
 </p:sld>
 </file>
 
 <file path=ppt/slides/slide3.xml><?xml version="1.0" encoding="utf-8"?>
-<p:sld xmlns:a="http://schemas.openxmlformats.org/drawingml/2006/main" xmlns:r="http://schemas.openxmlformats.org/officeDocument/2006/relationships" xmlns:p="http://schemas.openxmlformats.org/presentationml/2006/main">
-  <p:cSld>
-    <p:spTree>
-      <p:nvGrpSpPr>
-        <p:cNvPr id="1" name=""/>
-        <p:cNvGrpSpPr/>
-        <p:nvPr/>
-      </p:nvGrpSpPr>
-      <p:grpSpPr>
-        <a:xfrm>
-          <a:off x="0" y="0"/>
-          <a:ext cx="0" cy="0"/>
-          <a:chOff x="0" y="0"/>
-          <a:chExt cx="0" cy="0"/>
-        </a:xfrm>
-      </p:grpSpPr>
-      <p:pic>
-        <p:nvPicPr>
-          <p:cNvPr id="4" name="圖片 3"/>
-          <p:cNvPicPr>
-            <a:picLocks noChangeAspect="1"/>
-          </p:cNvPicPr>
-          <p:nvPr/>
-        </p:nvPicPr>
-        <p:blipFill>
-          <a:blip r:embed="rId2">
-            <a:extLst>
-              <a:ext uri="{28A0092B-C50C-407E-A947-70E740481C1C}">
-                <a14:useLocalDpi xmlns:a14="http://schemas.microsoft.com/office/drawing/2010/main" val="0"/>
-              </a:ext>
-            </a:extLst>
-          </a:blip>
-          <a:stretch>
-            <a:fillRect/>
-          </a:stretch>
-        </p:blipFill>
-        <p:spPr>
-          <a:xfrm>
-            <a:off x="2617129" y="838931"/>
-            <a:ext cx="6957743" cy="5180138"/>
-          </a:xfrm>
-          <a:prstGeom prst="rect">
-            <a:avLst/>
-          </a:prstGeom>
-          <a:ln>
-            <a:noFill/>
-          </a:ln>
-          <a:effectLst>
-            <a:outerShdw blurRad="292100" dist="139700" dir="2700000" algn="tl" rotWithShape="0">
-              <a:srgbClr val="333333">
-                <a:alpha val="65000"/>
-              </a:srgbClr>
-            </a:outerShdw>
-          </a:effectLst>
-        </p:spPr>
-      </p:pic>
-    </p:spTree>
-    <p:extLst>
-      <p:ext uri="{BB962C8B-B14F-4D97-AF65-F5344CB8AC3E}">
-        <p14:creationId xmlns:p14="http://schemas.microsoft.com/office/powerpoint/2010/main" val="2607553593"/>
-      </p:ext>
-    </p:extLst>
-  </p:cSld>
-  <p:clrMapOvr>
-    <a:masterClrMapping/>
-  </p:clrMapOvr>
-  <p:timing>
-    <p:tnLst>
-      <p:par>
-        <p:cTn id="1" dur="indefinite" restart="never" nodeType="tmRoot"/>
-      </p:par>
-    </p:tnLst>
-  </p:timing>
-</p:sld>
-</file>
-
-<file path=ppt/slides/slide4.xml><?xml version="1.0" encoding="utf-8"?>
 <p:sld xmlns:a="http://schemas.openxmlformats.org/drawingml/2006/main" xmlns:r="http://schemas.openxmlformats.org/officeDocument/2006/relationships" xmlns:p="http://schemas.openxmlformats.org/presentationml/2006/main">
   <p:cSld>
     <p:spTree>
@@ -14168,13 +14057,66 @@
   <p:clrMapOvr>
     <a:masterClrMapping/>
   </p:clrMapOvr>
-  <p:timing>
-    <p:tnLst>
-      <p:par>
-        <p:cTn id="1" dur="indefinite" restart="never" nodeType="tmRoot"/>
-      </p:par>
-    </p:tnLst>
-  </p:timing>
+</p:sld>
+</file>
+
+<file path=ppt/slides/slide4.xml><?xml version="1.0" encoding="utf-8"?>
+<p:sld xmlns:a="http://schemas.openxmlformats.org/drawingml/2006/main" xmlns:r="http://schemas.openxmlformats.org/officeDocument/2006/relationships" xmlns:p="http://schemas.openxmlformats.org/presentationml/2006/main">
+  <p:cSld>
+    <p:spTree>
+      <p:nvGrpSpPr>
+        <p:cNvPr id="1" name=""/>
+        <p:cNvGrpSpPr/>
+        <p:nvPr/>
+      </p:nvGrpSpPr>
+      <p:grpSpPr>
+        <a:xfrm>
+          <a:off x="0" y="0"/>
+          <a:ext cx="0" cy="0"/>
+          <a:chOff x="0" y="0"/>
+          <a:chExt cx="0" cy="0"/>
+        </a:xfrm>
+      </p:grpSpPr>
+      <p:pic>
+        <p:nvPicPr>
+          <p:cNvPr id="3" name="圖片 2">
+            <a:extLst>
+              <a:ext uri="{FF2B5EF4-FFF2-40B4-BE49-F238E27FC236}">
+                <a16:creationId xmlns:a16="http://schemas.microsoft.com/office/drawing/2014/main" id="{161D9ADB-C672-4EB9-AE59-61EE68EF53FC}"/>
+              </a:ext>
+            </a:extLst>
+          </p:cNvPr>
+          <p:cNvPicPr>
+            <a:picLocks noChangeAspect="1"/>
+          </p:cNvPicPr>
+          <p:nvPr/>
+        </p:nvPicPr>
+        <p:blipFill>
+          <a:blip r:embed="rId2"/>
+          <a:stretch>
+            <a:fillRect/>
+          </a:stretch>
+        </p:blipFill>
+        <p:spPr>
+          <a:xfrm>
+            <a:off x="2509838" y="581025"/>
+            <a:ext cx="7172325" cy="5695950"/>
+          </a:xfrm>
+          <a:prstGeom prst="rect">
+            <a:avLst/>
+          </a:prstGeom>
+        </p:spPr>
+      </p:pic>
+    </p:spTree>
+    <p:extLst>
+      <p:ext uri="{BB962C8B-B14F-4D97-AF65-F5344CB8AC3E}">
+        <p14:creationId xmlns:p14="http://schemas.microsoft.com/office/powerpoint/2010/main" val="2607553593"/>
+      </p:ext>
+    </p:extLst>
+  </p:cSld>
+  <p:clrMapOvr>
+    <a:masterClrMapping/>
+  </p:clrMapOvr>
 </p:sld>
 </file>
 
@@ -14240,13 +14182,13 @@
           <a:lstStyle/>
           <a:p>
             <a:r>
-              <a:rPr lang="zh-TW" altLang="en-US" sz="3200" dirty="0" smtClean="0">
+              <a:rPr lang="zh-TW" altLang="en-US" sz="3200" dirty="0">
                 <a:latin typeface="微軟正黑體" panose="020B0604030504040204" pitchFamily="34" charset="-120"/>
                 <a:ea typeface="微軟正黑體" panose="020B0604030504040204" pitchFamily="34" charset="-120"/>
               </a:rPr>
               <a:t>人被殺， 就會死</a:t>
             </a:r>
-            <a:endParaRPr lang="en-US" altLang="zh-TW" sz="3200" dirty="0" smtClean="0">
+            <a:endParaRPr lang="en-US" altLang="zh-TW" sz="3200" dirty="0">
               <a:latin typeface="微軟正黑體" panose="020B0604030504040204" pitchFamily="34" charset="-120"/>
               <a:ea typeface="微軟正黑體" panose="020B0604030504040204" pitchFamily="34" charset="-120"/>
             </a:endParaRPr>
@@ -14503,16 +14445,12 @@
           </a:lstStyle>
           <a:p>
             <a:r>
-              <a:rPr lang="zh-TW" altLang="en-US" sz="3200" dirty="0" smtClean="0">
+              <a:rPr lang="zh-TW" altLang="en-US" sz="3200" dirty="0">
                 <a:latin typeface="微軟正黑體" panose="020B0604030504040204" pitchFamily="34" charset="-120"/>
                 <a:ea typeface="微軟正黑體" panose="020B0604030504040204" pitchFamily="34" charset="-120"/>
               </a:rPr>
               <a:t>魚會餓，還會餓死</a:t>
             </a:r>
-            <a:endParaRPr lang="zh-TW" altLang="en-US" sz="3200" dirty="0">
-              <a:latin typeface="微軟正黑體" panose="020B0604030504040204" pitchFamily="34" charset="-120"/>
-              <a:ea typeface="微軟正黑體" panose="020B0604030504040204" pitchFamily="34" charset="-120"/>
-            </a:endParaRPr>
           </a:p>
         </p:txBody>
       </p:sp>
@@ -14755,16 +14693,6 @@
           <a:lstStyle/>
           <a:p>
             <a:r>
-              <a:rPr lang="zh-TW" altLang="en-US" sz="4400" dirty="0" smtClean="0">
-                <a:solidFill>
-                  <a:srgbClr val="FFC000"/>
-                </a:solidFill>
-                <a:latin typeface="微軟正黑體" panose="020B0604030504040204" pitchFamily="34" charset="-120"/>
-                <a:ea typeface="微軟正黑體" panose="020B0604030504040204" pitchFamily="34" charset="-120"/>
-              </a:rPr>
-              <a:t>自動餵魚</a:t>
-            </a:r>
-            <a:r>
               <a:rPr lang="zh-TW" altLang="en-US" sz="4400" dirty="0">
                 <a:solidFill>
                   <a:srgbClr val="FFC000"/>
@@ -14772,7 +14700,7 @@
                 <a:latin typeface="微軟正黑體" panose="020B0604030504040204" pitchFamily="34" charset="-120"/>
                 <a:ea typeface="微軟正黑體" panose="020B0604030504040204" pitchFamily="34" charset="-120"/>
               </a:rPr>
-              <a:t>機</a:t>
+              <a:t>自動餵魚機</a:t>
             </a:r>
           </a:p>
         </p:txBody>
@@ -14803,13 +14731,13 @@
               <a:buNone/>
             </a:pPr>
             <a:r>
-              <a:rPr lang="zh-TW" altLang="en-US" sz="3600" dirty="0" smtClean="0">
+              <a:rPr lang="zh-TW" altLang="en-US" sz="3600" dirty="0">
                 <a:latin typeface="微軟正黑體" panose="020B0604030504040204" pitchFamily="34" charset="-120"/>
                 <a:ea typeface="微軟正黑體" panose="020B0604030504040204" pitchFamily="34" charset="-120"/>
               </a:rPr>
               <a:t>功能：</a:t>
             </a:r>
-            <a:endParaRPr lang="en-US" altLang="zh-TW" sz="3600" dirty="0" smtClean="0">
+            <a:endParaRPr lang="en-US" altLang="zh-TW" sz="3600" dirty="0">
               <a:latin typeface="微軟正黑體" panose="020B0604030504040204" pitchFamily="34" charset="-120"/>
               <a:ea typeface="微軟正黑體" panose="020B0604030504040204" pitchFamily="34" charset="-120"/>
             </a:endParaRPr>
@@ -14817,13 +14745,13 @@
           <a:p>
             <a:pPr lvl="1"/>
             <a:r>
-              <a:rPr lang="zh-TW" altLang="en-US" sz="3200" dirty="0" smtClean="0">
+              <a:rPr lang="zh-TW" altLang="en-US" sz="3200" dirty="0">
                 <a:latin typeface="微軟正黑體" panose="020B0604030504040204" pitchFamily="34" charset="-120"/>
                 <a:ea typeface="微軟正黑體" panose="020B0604030504040204" pitchFamily="34" charset="-120"/>
               </a:rPr>
               <a:t>自動定時餵魚。</a:t>
             </a:r>
-            <a:endParaRPr lang="en-US" altLang="zh-TW" sz="3200" dirty="0" smtClean="0">
+            <a:endParaRPr lang="en-US" altLang="zh-TW" sz="3200" dirty="0">
               <a:latin typeface="微軟正黑體" panose="020B0604030504040204" pitchFamily="34" charset="-120"/>
               <a:ea typeface="微軟正黑體" panose="020B0604030504040204" pitchFamily="34" charset="-120"/>
             </a:endParaRPr>
@@ -14831,13 +14759,13 @@
           <a:p>
             <a:pPr lvl="1"/>
             <a:r>
-              <a:rPr lang="zh-TW" altLang="en-US" sz="3200" dirty="0" smtClean="0">
+              <a:rPr lang="zh-TW" altLang="en-US" sz="3200" dirty="0">
                 <a:latin typeface="微軟正黑體" panose="020B0604030504040204" pitchFamily="34" charset="-120"/>
                 <a:ea typeface="微軟正黑體" panose="020B0604030504040204" pitchFamily="34" charset="-120"/>
               </a:rPr>
               <a:t>跟手機連動，可遠端遙控餵魚。</a:t>
             </a:r>
-            <a:endParaRPr lang="en-US" altLang="zh-TW" sz="3200" dirty="0" smtClean="0">
+            <a:endParaRPr lang="en-US" altLang="zh-TW" sz="3200" dirty="0">
               <a:latin typeface="微軟正黑體" panose="020B0604030504040204" pitchFamily="34" charset="-120"/>
               <a:ea typeface="微軟正黑體" panose="020B0604030504040204" pitchFamily="34" charset="-120"/>
             </a:endParaRPr>
@@ -14855,7 +14783,7 @@
             <a:pPr marL="0" indent="0">
               <a:buNone/>
             </a:pPr>
-            <a:endParaRPr lang="en-US" altLang="zh-TW" sz="3600" dirty="0" smtClean="0">
+            <a:endParaRPr lang="en-US" altLang="zh-TW" sz="3600" dirty="0">
               <a:latin typeface="微軟正黑體" panose="020B0604030504040204" pitchFamily="34" charset="-120"/>
               <a:ea typeface="微軟正黑體" panose="020B0604030504040204" pitchFamily="34" charset="-120"/>
             </a:endParaRPr>
@@ -14958,7 +14886,7 @@
           <a:p>
             <a:pPr algn="ctr"/>
             <a:r>
-              <a:rPr lang="en-US" altLang="zh-TW" sz="3600" dirty="0" smtClean="0">
+              <a:rPr lang="en-US" altLang="zh-TW" sz="3600" dirty="0">
                 <a:latin typeface="Copperplate Gothic Bold" panose="020E0705020206020404" pitchFamily="34" charset="0"/>
                 <a:ea typeface="微軟正黑體" panose="020B0604030504040204" pitchFamily="34" charset="-120"/>
               </a:rPr>
@@ -15332,7 +15260,7 @@
           <a:lstStyle/>
           <a:p>
             <a:r>
-              <a:rPr lang="zh-TW" altLang="en-US" sz="4400" dirty="0" smtClean="0">
+              <a:rPr lang="zh-TW" altLang="en-US" sz="4400" dirty="0">
                 <a:solidFill>
                   <a:srgbClr val="FFC000"/>
                 </a:solidFill>
@@ -15341,13 +15269,6 @@
               </a:rPr>
               <a:t>預計花費</a:t>
             </a:r>
-            <a:endParaRPr lang="zh-TW" altLang="en-US" sz="4400" dirty="0">
-              <a:solidFill>
-                <a:srgbClr val="FFC000"/>
-              </a:solidFill>
-              <a:latin typeface="微軟正黑體" panose="020B0604030504040204" pitchFamily="34" charset="-120"/>
-              <a:ea typeface="微軟正黑體" panose="020B0604030504040204" pitchFamily="34" charset="-120"/>
-            </a:endParaRPr>
           </a:p>
         </p:txBody>
       </p:sp>
@@ -15374,35 +15295,35 @@
           <a:lstStyle/>
           <a:p>
             <a:r>
-              <a:rPr lang="en-US" altLang="zh-TW" sz="3600" dirty="0" smtClean="0">
+              <a:rPr lang="en-US" altLang="zh-TW" sz="3600" dirty="0">
                 <a:latin typeface="微軟正黑體" panose="020B0604030504040204" pitchFamily="34" charset="-120"/>
                 <a:ea typeface="微軟正黑體" panose="020B0604030504040204" pitchFamily="34" charset="-120"/>
               </a:rPr>
               <a:t>Wi-Fi</a:t>
             </a:r>
             <a:r>
-              <a:rPr lang="zh-TW" altLang="en-US" sz="3600" dirty="0" smtClean="0">
+              <a:rPr lang="zh-TW" altLang="en-US" sz="3600" dirty="0">
                 <a:latin typeface="微軟正黑體" panose="020B0604030504040204" pitchFamily="34" charset="-120"/>
                 <a:ea typeface="微軟正黑體" panose="020B0604030504040204" pitchFamily="34" charset="-120"/>
               </a:rPr>
               <a:t> 模組</a:t>
             </a:r>
             <a:r>
-              <a:rPr lang="en-US" altLang="zh-TW" sz="3600" dirty="0" smtClean="0">
+              <a:rPr lang="en-US" altLang="zh-TW" sz="3600" dirty="0">
                 <a:latin typeface="微軟正黑體" panose="020B0604030504040204" pitchFamily="34" charset="-120"/>
                 <a:ea typeface="微軟正黑體" panose="020B0604030504040204" pitchFamily="34" charset="-120"/>
               </a:rPr>
               <a:t>(or </a:t>
             </a:r>
             <a:r>
-              <a:rPr lang="zh-TW" altLang="en-US" sz="3600" dirty="0" smtClean="0">
+              <a:rPr lang="zh-TW" altLang="en-US" sz="3600" dirty="0">
                 <a:latin typeface="微軟正黑體" panose="020B0604030504040204" pitchFamily="34" charset="-120"/>
                 <a:ea typeface="微軟正黑體" panose="020B0604030504040204" pitchFamily="34" charset="-120"/>
               </a:rPr>
               <a:t>藍芽模組</a:t>
             </a:r>
             <a:r>
-              <a:rPr lang="en-US" altLang="zh-TW" sz="3600" dirty="0" smtClean="0">
+              <a:rPr lang="en-US" altLang="zh-TW" sz="3600" dirty="0">
                 <a:latin typeface="微軟正黑體" panose="020B0604030504040204" pitchFamily="34" charset="-120"/>
                 <a:ea typeface="微軟正黑體" panose="020B0604030504040204" pitchFamily="34" charset="-120"/>
               </a:rPr>
@@ -15411,28 +15332,28 @@
           </a:p>
           <a:p>
             <a:r>
-              <a:rPr lang="zh-TW" altLang="en-US" sz="3600" dirty="0" smtClean="0">
+              <a:rPr lang="zh-TW" altLang="en-US" sz="3600" dirty="0">
                 <a:latin typeface="微軟正黑體" panose="020B0604030504040204" pitchFamily="34" charset="-120"/>
                 <a:ea typeface="微軟正黑體" panose="020B0604030504040204" pitchFamily="34" charset="-120"/>
               </a:rPr>
               <a:t>步進馬達</a:t>
             </a:r>
             <a:r>
-              <a:rPr lang="en-US" altLang="zh-TW" sz="3600" dirty="0" smtClean="0">
+              <a:rPr lang="en-US" altLang="zh-TW" sz="3600" dirty="0">
                 <a:latin typeface="微軟正黑體" panose="020B0604030504040204" pitchFamily="34" charset="-120"/>
                 <a:ea typeface="微軟正黑體" panose="020B0604030504040204" pitchFamily="34" charset="-120"/>
               </a:rPr>
               <a:t>, NTD 400~500(</a:t>
             </a:r>
             <a:r>
-              <a:rPr lang="zh-TW" altLang="en-US" sz="3600" dirty="0" smtClean="0">
+              <a:rPr lang="zh-TW" altLang="en-US" sz="3600" dirty="0">
                 <a:latin typeface="微軟正黑體" panose="020B0604030504040204" pitchFamily="34" charset="-120"/>
                 <a:ea typeface="微軟正黑體" panose="020B0604030504040204" pitchFamily="34" charset="-120"/>
               </a:rPr>
               <a:t>希望</a:t>
             </a:r>
             <a:r>
-              <a:rPr lang="en-US" altLang="zh-TW" sz="3600" dirty="0" smtClean="0">
+              <a:rPr lang="en-US" altLang="zh-TW" sz="3600" dirty="0">
                 <a:latin typeface="微軟正黑體" panose="020B0604030504040204" pitchFamily="34" charset="-120"/>
                 <a:ea typeface="微軟正黑體" panose="020B0604030504040204" pitchFamily="34" charset="-120"/>
               </a:rPr>
@@ -15440,7 +15361,7 @@
             </a:r>
           </a:p>
           <a:p>
-            <a:endParaRPr lang="en-US" altLang="zh-TW" sz="3600" dirty="0" smtClean="0">
+            <a:endParaRPr lang="en-US" altLang="zh-TW" sz="3600" dirty="0">
               <a:latin typeface="微軟正黑體" panose="020B0604030504040204" pitchFamily="34" charset="-120"/>
               <a:ea typeface="微軟正黑體" panose="020B0604030504040204" pitchFamily="34" charset="-120"/>
             </a:endParaRPr>
@@ -15457,13 +15378,6 @@
   <p:clrMapOvr>
     <a:masterClrMapping/>
   </p:clrMapOvr>
-  <p:timing>
-    <p:tnLst>
-      <p:par>
-        <p:cTn id="1" dur="indefinite" restart="never" nodeType="tmRoot"/>
-      </p:par>
-    </p:tnLst>
-  </p:timing>
 </p:sld>
 </file>
 
@@ -15738,7 +15652,7 @@
               <a:buNone/>
             </a:pPr>
             <a:r>
-              <a:rPr lang="zh-TW" altLang="en-US" sz="4400" dirty="0" smtClean="0">
+              <a:rPr lang="zh-TW" altLang="en-US" sz="4400" dirty="0">
                 <a:solidFill>
                   <a:srgbClr val="002060"/>
                 </a:solidFill>
@@ -15747,7 +15661,7 @@
               </a:rPr>
               <a:t>未來展望：</a:t>
             </a:r>
-            <a:endParaRPr lang="en-US" altLang="zh-TW" sz="4400" dirty="0" smtClean="0">
+            <a:endParaRPr lang="en-US" altLang="zh-TW" sz="4400" dirty="0">
               <a:solidFill>
                 <a:srgbClr val="002060"/>
               </a:solidFill>
@@ -15758,7 +15672,7 @@
           <a:p>
             <a:pPr lvl="1"/>
             <a:r>
-              <a:rPr lang="zh-TW" altLang="en-US" sz="4000" dirty="0" smtClean="0">
+              <a:rPr lang="zh-TW" altLang="en-US" sz="4000" dirty="0">
                 <a:solidFill>
                   <a:srgbClr val="002060"/>
                 </a:solidFill>
@@ -15767,7 +15681,7 @@
               </a:rPr>
               <a:t>配合手機遊戲讓餵魚更有趣。</a:t>
             </a:r>
-            <a:endParaRPr lang="en-US" altLang="zh-TW" sz="4000" dirty="0" smtClean="0">
+            <a:endParaRPr lang="en-US" altLang="zh-TW" sz="4000" dirty="0">
               <a:solidFill>
                 <a:srgbClr val="002060"/>
               </a:solidFill>
@@ -15778,7 +15692,7 @@
           <a:p>
             <a:pPr lvl="1"/>
             <a:r>
-              <a:rPr lang="zh-TW" altLang="en-US" sz="4000" dirty="0" smtClean="0">
+              <a:rPr lang="zh-TW" altLang="en-US" sz="4000" dirty="0">
                 <a:solidFill>
                   <a:srgbClr val="002060"/>
                 </a:solidFill>
@@ -15788,7 +15702,7 @@
               <a:t>引進濁度計，提醒使用者該換水囉</a:t>
             </a:r>
             <a:r>
-              <a:rPr lang="en-US" altLang="zh-TW" sz="4000" dirty="0" smtClean="0">
+              <a:rPr lang="en-US" altLang="zh-TW" sz="4000" dirty="0">
                 <a:solidFill>
                   <a:srgbClr val="002060"/>
                 </a:solidFill>
@@ -15798,7 +15712,7 @@
               <a:t>~</a:t>
             </a:r>
             <a:r>
-              <a:rPr lang="zh-TW" altLang="en-US" sz="4000" dirty="0" smtClean="0">
+              <a:rPr lang="zh-TW" altLang="en-US" sz="4000" dirty="0">
                 <a:solidFill>
                   <a:srgbClr val="002060"/>
                 </a:solidFill>
@@ -15807,7 +15721,7 @@
               </a:rPr>
               <a:t>。</a:t>
             </a:r>
-            <a:endParaRPr lang="en-US" altLang="zh-TW" sz="4400" dirty="0" smtClean="0">
+            <a:endParaRPr lang="en-US" altLang="zh-TW" sz="4400" dirty="0">
               <a:solidFill>
                 <a:srgbClr val="002060"/>
               </a:solidFill>
@@ -15827,13 +15741,6 @@
   <p:clrMapOvr>
     <a:masterClrMapping/>
   </p:clrMapOvr>
-  <p:timing>
-    <p:tnLst>
-      <p:par>
-        <p:cTn id="1" dur="indefinite" restart="never" nodeType="tmRoot"/>
-      </p:par>
-    </p:tnLst>
-  </p:timing>
 </p:sld>
 </file>
 
@@ -15875,7 +15782,7 @@
           <a:lstStyle/>
           <a:p>
             <a:r>
-              <a:rPr lang="en-US" altLang="zh-TW" sz="7200" dirty="0" smtClean="0">
+              <a:rPr lang="en-US" altLang="zh-TW" sz="7200" dirty="0">
                 <a:solidFill>
                   <a:srgbClr val="FF0000"/>
                 </a:solidFill>
@@ -15883,14 +15790,14 @@
               <a:t>Thanks your listening~</a:t>
             </a:r>
             <a:br>
-              <a:rPr lang="en-US" altLang="zh-TW" sz="7200" dirty="0" smtClean="0">
+              <a:rPr lang="en-US" altLang="zh-TW" sz="7200" dirty="0">
                 <a:solidFill>
                   <a:srgbClr val="FF0000"/>
                 </a:solidFill>
               </a:rPr>
             </a:br>
             <a:r>
-              <a:rPr lang="en-US" altLang="zh-TW" sz="7200" dirty="0" smtClean="0">
+              <a:rPr lang="en-US" altLang="zh-TW" sz="7200" dirty="0">
                 <a:solidFill>
                   <a:srgbClr val="FF0000"/>
                 </a:solidFill>
@@ -15915,13 +15822,6 @@
   <p:clrMapOvr>
     <a:masterClrMapping/>
   </p:clrMapOvr>
-  <p:timing>
-    <p:tnLst>
-      <p:par>
-        <p:cTn id="1" dur="indefinite" restart="never" nodeType="tmRoot"/>
-      </p:par>
-    </p:tnLst>
-  </p:timing>
 </p:sld>
 </file>
 
